--- a/projectProgressStatus/설계/UI/그룹/Project_SOLAFY_group_수정.pptx
+++ b/projectProgressStatus/설계/UI/그룹/Project_SOLAFY_group_수정.pptx
@@ -4566,14 +4566,14 @@
           <p:nvPr>
             <p:extLst>
               <p:ext uri="{D42A27DB-BD31-4B8C-83A1-F6EECF244321}">
-                <p14:modId xmlns:p14="http://schemas.microsoft.com/office/powerpoint/2010/main" val="1054861054"/>
+                <p14:modId xmlns:p14="http://schemas.microsoft.com/office/powerpoint/2010/main" val="232007772"/>
               </p:ext>
             </p:extLst>
           </p:nvPr>
         </p:nvGraphicFramePr>
         <p:xfrm>
           <a:off x="1624527" y="3967573"/>
-          <a:ext cx="9206237" cy="2185955"/>
+          <a:ext cx="9206237" cy="1980580"/>
         </p:xfrm>
         <a:graphic>
           <a:graphicData uri="http://schemas.openxmlformats.org/drawingml/2006/table">
@@ -5163,123 +5163,7 @@
                   </a:ext>
                 </a:extLst>
               </a:tr>
-              <a:tr h="163484">
-                <a:tc>
-                  <a:txBody>
-                    <a:bodyPr/>
-                    <a:lstStyle/>
-                    <a:p>
-                      <a:pPr algn="ctr" latinLnBrk="1"/>
-                      <a:r>
-                        <a:rPr lang="ko-KR" altLang="en-US" sz="1100" b="1" dirty="0"/>
-                        <a:t>공개 설정</a:t>
-                      </a:r>
-                    </a:p>
-                  </a:txBody>
-                  <a:tcPr anchor="ctr"/>
-                </a:tc>
-                <a:tc gridSpan="8">
-                  <a:txBody>
-                    <a:bodyPr/>
-                    <a:lstStyle/>
-                    <a:p>
-                      <a:pPr algn="ctr" latinLnBrk="1"/>
-                      <a:r>
-                        <a:rPr lang="en-US" altLang="ko-KR" sz="1100" dirty="0"/>
-                        <a:t>Public      Private</a:t>
-                      </a:r>
-                      <a:r>
-                        <a:rPr lang="ko-KR" altLang="en-US" sz="1100" dirty="0"/>
-                        <a:t> </a:t>
-                      </a:r>
-                    </a:p>
-                  </a:txBody>
-                  <a:tcPr anchor="ctr"/>
-                </a:tc>
-                <a:tc hMerge="1">
-                  <a:txBody>
-                    <a:bodyPr/>
-                    <a:lstStyle/>
-                    <a:p>
-                      <a:pPr algn="ctr" latinLnBrk="1"/>
-                      <a:endParaRPr lang="ko-KR" altLang="en-US" sz="1100" dirty="0"/>
-                    </a:p>
-                  </a:txBody>
-                  <a:tcPr anchor="ctr"/>
-                </a:tc>
-                <a:tc hMerge="1">
-                  <a:txBody>
-                    <a:bodyPr/>
-                    <a:lstStyle/>
-                    <a:p>
-                      <a:pPr latinLnBrk="1"/>
-                      <a:endParaRPr lang="ko-KR" altLang="en-US"/>
-                    </a:p>
-                  </a:txBody>
-                  <a:tcPr/>
-                </a:tc>
-                <a:tc hMerge="1">
-                  <a:txBody>
-                    <a:bodyPr/>
-                    <a:lstStyle/>
-                    <a:p>
-                      <a:pPr algn="ctr" latinLnBrk="1"/>
-                      <a:endParaRPr lang="ko-KR" altLang="en-US" sz="1100" dirty="0"/>
-                    </a:p>
-                  </a:txBody>
-                  <a:tcPr anchor="ctr"/>
-                </a:tc>
-                <a:tc hMerge="1">
-                  <a:txBody>
-                    <a:bodyPr/>
-                    <a:lstStyle/>
-                    <a:p>
-                      <a:pPr latinLnBrk="1"/>
-                      <a:endParaRPr lang="ko-KR" altLang="en-US"/>
-                    </a:p>
-                  </a:txBody>
-                  <a:tcPr/>
-                </a:tc>
-                <a:tc hMerge="1">
-                  <a:txBody>
-                    <a:bodyPr/>
-                    <a:lstStyle/>
-                    <a:p>
-                      <a:pPr algn="ctr" latinLnBrk="1"/>
-                      <a:endParaRPr lang="ko-KR" altLang="en-US" sz="1100" dirty="0"/>
-                    </a:p>
-                  </a:txBody>
-                  <a:tcPr anchor="ctr"/>
-                </a:tc>
-                <a:tc hMerge="1">
-                  <a:txBody>
-                    <a:bodyPr/>
-                    <a:lstStyle/>
-                    <a:p>
-                      <a:pPr latinLnBrk="1"/>
-                      <a:endParaRPr lang="ko-KR" altLang="en-US"/>
-                    </a:p>
-                  </a:txBody>
-                  <a:tcPr/>
-                </a:tc>
-                <a:tc hMerge="1">
-                  <a:txBody>
-                    <a:bodyPr/>
-                    <a:lstStyle/>
-                    <a:p>
-                      <a:pPr latinLnBrk="1"/>
-                      <a:endParaRPr lang="ko-KR" altLang="en-US" dirty="0"/>
-                    </a:p>
-                  </a:txBody>
-                  <a:tcPr anchor="ctr"/>
-                </a:tc>
-                <a:extLst>
-                  <a:ext uri="{0D108BD9-81ED-4DB2-BD59-A6C34878D82A}">
-                    <a16:rowId xmlns:a16="http://schemas.microsoft.com/office/drawing/2014/main" val="1580585467"/>
-                  </a:ext>
-                </a:extLst>
-              </a:tr>
-              <a:tr h="163484">
+              <a:tr h="312785">
                 <a:tc>
                   <a:txBody>
                     <a:bodyPr/>
@@ -5772,138 +5656,6 @@
               <a:rPr lang="ko-KR" altLang="en-US" sz="1200" b="1" dirty="0"/>
               <a:t>탈퇴</a:t>
             </a:r>
-          </a:p>
-        </p:txBody>
-      </p:sp>
-      <p:sp>
-        <p:nvSpPr>
-          <p:cNvPr id="23" name="타원 22">
-            <a:extLst>
-              <a:ext uri="{FF2B5EF4-FFF2-40B4-BE49-F238E27FC236}">
-                <a16:creationId xmlns:a16="http://schemas.microsoft.com/office/drawing/2014/main" id="{9BA77B1D-E608-4745-8EB3-1A1B92321C73}"/>
-              </a:ext>
-            </a:extLst>
-          </p:cNvPr>
-          <p:cNvSpPr/>
-          <p:nvPr/>
-        </p:nvSpPr>
-        <p:spPr>
-          <a:xfrm>
-            <a:off x="7179986" y="5680527"/>
-            <a:ext cx="152400" cy="160866"/>
-          </a:xfrm>
-          <a:prstGeom prst="ellipse">
-            <a:avLst/>
-          </a:prstGeom>
-        </p:spPr>
-        <p:style>
-          <a:lnRef idx="2">
-            <a:schemeClr val="accent4"/>
-          </a:lnRef>
-          <a:fillRef idx="1">
-            <a:schemeClr val="lt1"/>
-          </a:fillRef>
-          <a:effectRef idx="0">
-            <a:schemeClr val="accent4"/>
-          </a:effectRef>
-          <a:fontRef idx="minor">
-            <a:schemeClr val="dk1"/>
-          </a:fontRef>
-        </p:style>
-        <p:txBody>
-          <a:bodyPr rtlCol="0" anchor="ctr"/>
-          <a:lstStyle/>
-          <a:p>
-            <a:pPr algn="ctr"/>
-            <a:endParaRPr lang="ko-KR" altLang="en-US"/>
-          </a:p>
-        </p:txBody>
-      </p:sp>
-      <p:sp>
-        <p:nvSpPr>
-          <p:cNvPr id="24" name="타원 23">
-            <a:extLst>
-              <a:ext uri="{FF2B5EF4-FFF2-40B4-BE49-F238E27FC236}">
-                <a16:creationId xmlns:a16="http://schemas.microsoft.com/office/drawing/2014/main" id="{05B9A1EB-3A1C-4393-AF48-83EFF7AECA7B}"/>
-              </a:ext>
-            </a:extLst>
-          </p:cNvPr>
-          <p:cNvSpPr/>
-          <p:nvPr/>
-        </p:nvSpPr>
-        <p:spPr>
-          <a:xfrm>
-            <a:off x="7213323" y="5715716"/>
-            <a:ext cx="85725" cy="90487"/>
-          </a:xfrm>
-          <a:prstGeom prst="ellipse">
-            <a:avLst/>
-          </a:prstGeom>
-        </p:spPr>
-        <p:style>
-          <a:lnRef idx="1">
-            <a:schemeClr val="accent5"/>
-          </a:lnRef>
-          <a:fillRef idx="3">
-            <a:schemeClr val="accent5"/>
-          </a:fillRef>
-          <a:effectRef idx="2">
-            <a:schemeClr val="accent5"/>
-          </a:effectRef>
-          <a:fontRef idx="minor">
-            <a:schemeClr val="lt1"/>
-          </a:fontRef>
-        </p:style>
-        <p:txBody>
-          <a:bodyPr rtlCol="0" anchor="ctr"/>
-          <a:lstStyle/>
-          <a:p>
-            <a:pPr algn="ctr"/>
-            <a:endParaRPr lang="ko-KR" altLang="en-US"/>
-          </a:p>
-        </p:txBody>
-      </p:sp>
-      <p:sp>
-        <p:nvSpPr>
-          <p:cNvPr id="25" name="타원 24">
-            <a:extLst>
-              <a:ext uri="{FF2B5EF4-FFF2-40B4-BE49-F238E27FC236}">
-                <a16:creationId xmlns:a16="http://schemas.microsoft.com/office/drawing/2014/main" id="{05D5DFA8-7545-450F-9C7C-681A40231852}"/>
-              </a:ext>
-            </a:extLst>
-          </p:cNvPr>
-          <p:cNvSpPr/>
-          <p:nvPr/>
-        </p:nvSpPr>
-        <p:spPr>
-          <a:xfrm>
-            <a:off x="7961036" y="5680527"/>
-            <a:ext cx="152400" cy="160866"/>
-          </a:xfrm>
-          <a:prstGeom prst="ellipse">
-            <a:avLst/>
-          </a:prstGeom>
-        </p:spPr>
-        <p:style>
-          <a:lnRef idx="2">
-            <a:schemeClr val="accent4"/>
-          </a:lnRef>
-          <a:fillRef idx="1">
-            <a:schemeClr val="lt1"/>
-          </a:fillRef>
-          <a:effectRef idx="0">
-            <a:schemeClr val="accent4"/>
-          </a:effectRef>
-          <a:fontRef idx="minor">
-            <a:schemeClr val="dk1"/>
-          </a:fontRef>
-        </p:style>
-        <p:txBody>
-          <a:bodyPr rtlCol="0" anchor="ctr"/>
-          <a:lstStyle/>
-          <a:p>
-            <a:pPr algn="ctr"/>
-            <a:endParaRPr lang="ko-KR" altLang="en-US"/>
           </a:p>
         </p:txBody>
       </p:sp>
@@ -6031,7 +5783,7 @@
         </p:nvSpPr>
         <p:spPr>
           <a:xfrm>
-            <a:off x="8540031" y="5903894"/>
+            <a:off x="8540031" y="5664693"/>
             <a:ext cx="553079" cy="249634"/>
           </a:xfrm>
           <a:prstGeom prst="rect">
@@ -6084,7 +5836,7 @@
         </p:nvSpPr>
         <p:spPr>
           <a:xfrm>
-            <a:off x="9125631" y="5903894"/>
+            <a:off x="9125631" y="5664693"/>
             <a:ext cx="553079" cy="249634"/>
           </a:xfrm>
           <a:prstGeom prst="rect">
@@ -11711,7 +11463,7 @@
           <a:lstStyle/>
           <a:p>
             <a:r>
-              <a:rPr lang="ko-KR" altLang="en-US" sz="1200" b="1">
+              <a:rPr lang="ko-KR" altLang="en-US" sz="1200" b="1" dirty="0">
                 <a:solidFill>
                   <a:schemeClr val="bg1">
                     <a:lumMod val="65000"/>
@@ -11986,7 +11738,7 @@
         </p:nvSpPr>
         <p:spPr>
           <a:xfrm>
-            <a:off x="1745800" y="5102951"/>
+            <a:off x="1745799" y="5084072"/>
             <a:ext cx="2313128" cy="276999"/>
           </a:xfrm>
           <a:prstGeom prst="rect">
@@ -13570,7 +13322,7 @@
           <p:nvPr>
             <p:extLst>
               <p:ext uri="{D42A27DB-BD31-4B8C-83A1-F6EECF244321}">
-                <p14:modId xmlns:p14="http://schemas.microsoft.com/office/powerpoint/2010/main" val="3295590182"/>
+                <p14:modId xmlns:p14="http://schemas.microsoft.com/office/powerpoint/2010/main" val="4198108182"/>
               </p:ext>
             </p:extLst>
           </p:nvPr>
